--- a/slides/03_functions_classes_packages.pptx
+++ b/slides/03_functions_classes_packages.pptx
@@ -802,7 +802,7 @@
   <p:cSld>
     <p:spTree>
       <p:nvGrpSpPr>
-        <p:cNvPr id="158" name="Shape 158"/>
+        <p:cNvPr id="160" name="Shape 160"/>
         <p:cNvGrpSpPr/>
         <p:nvPr/>
       </p:nvGrpSpPr>
@@ -816,7 +816,7 @@
       </p:grpSpPr>
       <p:sp>
         <p:nvSpPr>
-          <p:cNvPr id="159" name="Google Shape;159;gfa13c80bfd_0_150:notes"/>
+          <p:cNvPr id="161" name="Google Shape;161;gfa13c80bfd_0_150:notes"/>
           <p:cNvSpPr/>
           <p:nvPr>
             <p:ph idx="2" type="sldImg"/>
@@ -851,7 +851,7 @@
       </p:sp>
       <p:sp>
         <p:nvSpPr>
-          <p:cNvPr id="160" name="Google Shape;160;gfa13c80bfd_0_150:notes"/>
+          <p:cNvPr id="162" name="Google Shape;162;gfa13c80bfd_0_150:notes"/>
           <p:cNvSpPr txBox="1"/>
           <p:nvPr>
             <p:ph idx="1" type="body"/>
@@ -901,7 +901,7 @@
   <p:cSld>
     <p:spTree>
       <p:nvGrpSpPr>
-        <p:cNvPr id="165" name="Shape 165"/>
+        <p:cNvPr id="167" name="Shape 167"/>
         <p:cNvGrpSpPr/>
         <p:nvPr/>
       </p:nvGrpSpPr>
@@ -915,7 +915,7 @@
       </p:grpSpPr>
       <p:sp>
         <p:nvSpPr>
-          <p:cNvPr id="166" name="Google Shape;166;gfa13c80bfd_0_164:notes"/>
+          <p:cNvPr id="168" name="Google Shape;168;gfa13c80bfd_0_164:notes"/>
           <p:cNvSpPr/>
           <p:nvPr>
             <p:ph idx="2" type="sldImg"/>
@@ -950,7 +950,7 @@
       </p:sp>
       <p:sp>
         <p:nvSpPr>
-          <p:cNvPr id="167" name="Google Shape;167;gfa13c80bfd_0_164:notes"/>
+          <p:cNvPr id="169" name="Google Shape;169;gfa13c80bfd_0_164:notes"/>
           <p:cNvSpPr txBox="1"/>
           <p:nvPr>
             <p:ph idx="1" type="body"/>
@@ -1000,7 +1000,7 @@
   <p:cSld>
     <p:spTree>
       <p:nvGrpSpPr>
-        <p:cNvPr id="171" name="Shape 171"/>
+        <p:cNvPr id="173" name="Shape 173"/>
         <p:cNvGrpSpPr/>
         <p:nvPr/>
       </p:nvGrpSpPr>
@@ -1014,7 +1014,7 @@
       </p:grpSpPr>
       <p:sp>
         <p:nvSpPr>
-          <p:cNvPr id="172" name="Google Shape;172;gfa13c80bfd_0_75:notes"/>
+          <p:cNvPr id="174" name="Google Shape;174;gfa13c80bfd_0_75:notes"/>
           <p:cNvSpPr/>
           <p:nvPr>
             <p:ph idx="2" type="sldImg"/>
@@ -1049,7 +1049,7 @@
       </p:sp>
       <p:sp>
         <p:nvSpPr>
-          <p:cNvPr id="173" name="Google Shape;173;gfa13c80bfd_0_75:notes"/>
+          <p:cNvPr id="175" name="Google Shape;175;gfa13c80bfd_0_75:notes"/>
           <p:cNvSpPr txBox="1"/>
           <p:nvPr>
             <p:ph idx="1" type="body"/>
@@ -1099,7 +1099,7 @@
   <p:cSld>
     <p:spTree>
       <p:nvGrpSpPr>
-        <p:cNvPr id="177" name="Shape 177"/>
+        <p:cNvPr id="179" name="Shape 179"/>
         <p:cNvGrpSpPr/>
         <p:nvPr/>
       </p:nvGrpSpPr>
@@ -1113,7 +1113,7 @@
       </p:grpSpPr>
       <p:sp>
         <p:nvSpPr>
-          <p:cNvPr id="178" name="Google Shape;178;gfa13c80bfd_0_81:notes"/>
+          <p:cNvPr id="180" name="Google Shape;180;gfa13c80bfd_0_81:notes"/>
           <p:cNvSpPr/>
           <p:nvPr>
             <p:ph idx="2" type="sldImg"/>
@@ -1148,7 +1148,7 @@
       </p:sp>
       <p:sp>
         <p:nvSpPr>
-          <p:cNvPr id="179" name="Google Shape;179;gfa13c80bfd_0_81:notes"/>
+          <p:cNvPr id="181" name="Google Shape;181;gfa13c80bfd_0_81:notes"/>
           <p:cNvSpPr txBox="1"/>
           <p:nvPr>
             <p:ph idx="1" type="body"/>
@@ -1693,7 +1693,7 @@
   <p:cSld>
     <p:spTree>
       <p:nvGrpSpPr>
-        <p:cNvPr id="134" name="Shape 134"/>
+        <p:cNvPr id="136" name="Shape 136"/>
         <p:cNvGrpSpPr/>
         <p:nvPr/>
       </p:nvGrpSpPr>
@@ -1707,7 +1707,7 @@
       </p:grpSpPr>
       <p:sp>
         <p:nvSpPr>
-          <p:cNvPr id="135" name="Google Shape;135;gfa13c80bfd_0_91:notes"/>
+          <p:cNvPr id="137" name="Google Shape;137;gfa13c80bfd_0_91:notes"/>
           <p:cNvSpPr/>
           <p:nvPr>
             <p:ph idx="2" type="sldImg"/>
@@ -1742,7 +1742,7 @@
       </p:sp>
       <p:sp>
         <p:nvSpPr>
-          <p:cNvPr id="136" name="Google Shape;136;gfa13c80bfd_0_91:notes"/>
+          <p:cNvPr id="138" name="Google Shape;138;gfa13c80bfd_0_91:notes"/>
           <p:cNvSpPr txBox="1"/>
           <p:nvPr>
             <p:ph idx="1" type="body"/>
@@ -1792,7 +1792,7 @@
   <p:cSld>
     <p:spTree>
       <p:nvGrpSpPr>
-        <p:cNvPr id="143" name="Shape 143"/>
+        <p:cNvPr id="145" name="Shape 145"/>
         <p:cNvGrpSpPr/>
         <p:nvPr/>
       </p:nvGrpSpPr>
@@ -1806,7 +1806,7 @@
       </p:grpSpPr>
       <p:sp>
         <p:nvSpPr>
-          <p:cNvPr id="144" name="Google Shape;144;gfa13c80bfd_0_157:notes"/>
+          <p:cNvPr id="146" name="Google Shape;146;gfa13c80bfd_0_157:notes"/>
           <p:cNvSpPr/>
           <p:nvPr>
             <p:ph idx="2" type="sldImg"/>
@@ -1841,7 +1841,7 @@
       </p:sp>
       <p:sp>
         <p:nvSpPr>
-          <p:cNvPr id="145" name="Google Shape;145;gfa13c80bfd_0_157:notes"/>
+          <p:cNvPr id="147" name="Google Shape;147;gfa13c80bfd_0_157:notes"/>
           <p:cNvSpPr txBox="1"/>
           <p:nvPr>
             <p:ph idx="1" type="body"/>
@@ -1891,7 +1891,7 @@
   <p:cSld>
     <p:spTree>
       <p:nvGrpSpPr>
-        <p:cNvPr id="150" name="Shape 150"/>
+        <p:cNvPr id="152" name="Shape 152"/>
         <p:cNvGrpSpPr/>
         <p:nvPr/>
       </p:nvGrpSpPr>
@@ -1905,7 +1905,7 @@
       </p:grpSpPr>
       <p:sp>
         <p:nvSpPr>
-          <p:cNvPr id="151" name="Google Shape;151;gfa13c80bfd_0_143:notes"/>
+          <p:cNvPr id="153" name="Google Shape;153;gfa13c80bfd_0_143:notes"/>
           <p:cNvSpPr/>
           <p:nvPr>
             <p:ph idx="2" type="sldImg"/>
@@ -1940,7 +1940,7 @@
       </p:sp>
       <p:sp>
         <p:nvSpPr>
-          <p:cNvPr id="152" name="Google Shape;152;gfa13c80bfd_0_143:notes"/>
+          <p:cNvPr id="154" name="Google Shape;154;gfa13c80bfd_0_143:notes"/>
           <p:cNvSpPr txBox="1"/>
           <p:nvPr>
             <p:ph idx="1" type="body"/>
@@ -9885,7 +9885,7 @@
   <p:cSld>
     <p:spTree>
       <p:nvGrpSpPr>
-        <p:cNvPr id="161" name="Shape 161"/>
+        <p:cNvPr id="163" name="Shape 163"/>
         <p:cNvGrpSpPr/>
         <p:nvPr/>
       </p:nvGrpSpPr>
@@ -9899,7 +9899,7 @@
       </p:grpSpPr>
       <p:sp>
         <p:nvSpPr>
-          <p:cNvPr id="162" name="Google Shape;162;p25"/>
+          <p:cNvPr id="164" name="Google Shape;164;p25"/>
           <p:cNvSpPr txBox="1"/>
           <p:nvPr>
             <p:ph type="title"/>
@@ -9939,7 +9939,7 @@
       </p:sp>
       <p:graphicFrame>
         <p:nvGraphicFramePr>
-          <p:cNvPr id="163" name="Google Shape;163;p25"/>
+          <p:cNvPr id="165" name="Google Shape;165;p25"/>
           <p:cNvGraphicFramePr/>
           <p:nvPr/>
         </p:nvGraphicFramePr>
@@ -9952,7 +9952,7 @@
             <a:tbl>
               <a:tblPr>
                 <a:noFill/>
-                <a:tableStyleId>{86AA69EF-1D10-42C3-8748-50FAF6405A38}</a:tableStyleId>
+                <a:tableStyleId>{3686D524-7A75-433B-BB21-1A7C092E9742}</a:tableStyleId>
               </a:tblPr>
               <a:tblGrid>
                 <a:gridCol w="1447800"/>
@@ -10692,7 +10692,7 @@
       </p:graphicFrame>
       <p:sp>
         <p:nvSpPr>
-          <p:cNvPr id="164" name="Google Shape;164;p25"/>
+          <p:cNvPr id="166" name="Google Shape;166;p25"/>
           <p:cNvSpPr txBox="1"/>
           <p:nvPr/>
         </p:nvSpPr>
@@ -10745,7 +10745,7 @@
   <p:cSld>
     <p:spTree>
       <p:nvGrpSpPr>
-        <p:cNvPr id="168" name="Shape 168"/>
+        <p:cNvPr id="170" name="Shape 170"/>
         <p:cNvGrpSpPr/>
         <p:nvPr/>
       </p:nvGrpSpPr>
@@ -10759,7 +10759,7 @@
       </p:grpSpPr>
       <p:sp>
         <p:nvSpPr>
-          <p:cNvPr id="169" name="Google Shape;169;p26"/>
+          <p:cNvPr id="171" name="Google Shape;171;p26"/>
           <p:cNvSpPr txBox="1"/>
           <p:nvPr>
             <p:ph type="title"/>
@@ -10799,7 +10799,7 @@
       </p:sp>
       <p:sp>
         <p:nvSpPr>
-          <p:cNvPr id="170" name="Google Shape;170;p26"/>
+          <p:cNvPr id="172" name="Google Shape;172;p26"/>
           <p:cNvSpPr/>
           <p:nvPr>
             <p:ph idx="2" type="chart"/>
@@ -11010,7 +11010,7 @@
   <p:cSld>
     <p:spTree>
       <p:nvGrpSpPr>
-        <p:cNvPr id="174" name="Shape 174"/>
+        <p:cNvPr id="176" name="Shape 176"/>
         <p:cNvGrpSpPr/>
         <p:nvPr/>
       </p:nvGrpSpPr>
@@ -11024,7 +11024,7 @@
       </p:grpSpPr>
       <p:sp>
         <p:nvSpPr>
-          <p:cNvPr id="175" name="Google Shape;175;p27"/>
+          <p:cNvPr id="177" name="Google Shape;177;p27"/>
           <p:cNvSpPr txBox="1"/>
           <p:nvPr>
             <p:ph type="title"/>
@@ -11064,7 +11064,7 @@
       </p:sp>
       <p:sp>
         <p:nvSpPr>
-          <p:cNvPr id="176" name="Google Shape;176;p27"/>
+          <p:cNvPr id="178" name="Google Shape;178;p27"/>
           <p:cNvSpPr/>
           <p:nvPr>
             <p:ph idx="2" type="chart"/>
@@ -11221,7 +11221,7 @@
   <p:cSld>
     <p:spTree>
       <p:nvGrpSpPr>
-        <p:cNvPr id="180" name="Shape 180"/>
+        <p:cNvPr id="182" name="Shape 182"/>
         <p:cNvGrpSpPr/>
         <p:nvPr/>
       </p:nvGrpSpPr>
@@ -11235,7 +11235,7 @@
       </p:grpSpPr>
       <p:sp>
         <p:nvSpPr>
-          <p:cNvPr id="181" name="Google Shape;181;p28"/>
+          <p:cNvPr id="183" name="Google Shape;183;p28"/>
           <p:cNvSpPr txBox="1"/>
           <p:nvPr>
             <p:ph type="title"/>
@@ -11275,7 +11275,7 @@
       </p:sp>
       <p:sp>
         <p:nvSpPr>
-          <p:cNvPr id="182" name="Google Shape;182;p28"/>
+          <p:cNvPr id="184" name="Google Shape;184;p28"/>
           <p:cNvSpPr/>
           <p:nvPr>
             <p:ph idx="2" type="chart"/>
@@ -12848,35 +12848,9 @@
           </a:p>
         </p:txBody>
       </p:sp>
-      <p:cxnSp>
-        <p:nvCxnSpPr>
-          <p:cNvPr id="131" name="Google Shape;131;p21"/>
-          <p:cNvCxnSpPr/>
-          <p:nvPr/>
-        </p:nvCxnSpPr>
-        <p:spPr>
-          <a:xfrm>
-            <a:off x="2477100" y="3472900"/>
-            <a:ext cx="938100" cy="131700"/>
-          </a:xfrm>
-          <a:prstGeom prst="straightConnector1">
-            <a:avLst/>
-          </a:prstGeom>
-          <a:noFill/>
-          <a:ln cap="flat" cmpd="sng" w="9525">
-            <a:solidFill>
-              <a:schemeClr val="dk2"/>
-            </a:solidFill>
-            <a:prstDash val="solid"/>
-            <a:round/>
-            <a:headEnd len="med" w="med" type="none"/>
-            <a:tailEnd len="med" w="med" type="triangle"/>
-          </a:ln>
-        </p:spPr>
-      </p:cxnSp>
       <p:sp>
         <p:nvSpPr>
-          <p:cNvPr id="132" name="Google Shape;132;p21"/>
+          <p:cNvPr id="131" name="Google Shape;131;p21"/>
           <p:cNvSpPr/>
           <p:nvPr/>
         </p:nvSpPr>
@@ -12917,24 +12891,41 @@
           </a:ln>
         </p:spPr>
       </p:sp>
-      <p:cxnSp>
-        <p:nvCxnSpPr>
-          <p:cNvPr id="133" name="Google Shape;133;p21"/>
-          <p:cNvCxnSpPr/>
+      <p:sp>
+        <p:nvSpPr>
+          <p:cNvPr id="132" name="Google Shape;132;p21"/>
+          <p:cNvSpPr/>
           <p:nvPr/>
-        </p:nvCxnSpPr>
+        </p:nvSpPr>
         <p:spPr>
           <a:xfrm>
-            <a:off x="2105100" y="3634575"/>
-            <a:ext cx="123300" cy="41100"/>
+            <a:off x="62710" y="2277775"/>
+            <a:ext cx="6178575" cy="534500"/>
           </a:xfrm>
-          <a:prstGeom prst="straightConnector1">
-            <a:avLst/>
-          </a:prstGeom>
+          <a:custGeom>
+            <a:rect b="b" l="l" r="r" t="t"/>
+            <a:pathLst>
+              <a:path extrusionOk="0" h="21380" w="247143">
+                <a:moveTo>
+                  <a:pt x="247143" y="21380"/>
+                </a:moveTo>
+                <a:cubicBezTo>
+                  <a:pt x="209153" y="20777"/>
+                  <a:pt x="58397" y="21325"/>
+                  <a:pt x="19201" y="17762"/>
+                </a:cubicBezTo>
+                <a:cubicBezTo>
+                  <a:pt x="-19995" y="14199"/>
+                  <a:pt x="13171" y="2960"/>
+                  <a:pt x="11965" y="0"/>
+                </a:cubicBezTo>
+              </a:path>
+            </a:pathLst>
+          </a:custGeom>
           <a:noFill/>
           <a:ln cap="flat" cmpd="sng" w="9525">
             <a:solidFill>
-              <a:schemeClr val="dk2"/>
+              <a:srgbClr val="FF0000"/>
             </a:solidFill>
             <a:prstDash val="solid"/>
             <a:round/>
@@ -12942,7 +12933,173 @@
             <a:tailEnd len="med" w="med" type="triangle"/>
           </a:ln>
         </p:spPr>
-      </p:cxnSp>
+      </p:sp>
+      <p:sp>
+        <p:nvSpPr>
+          <p:cNvPr id="133" name="Google Shape;133;p21"/>
+          <p:cNvSpPr txBox="1"/>
+          <p:nvPr/>
+        </p:nvSpPr>
+        <p:spPr>
+          <a:xfrm>
+            <a:off x="4572000" y="1774975"/>
+            <a:ext cx="551100" cy="400200"/>
+          </a:xfrm>
+          <a:prstGeom prst="rect">
+            <a:avLst/>
+          </a:prstGeom>
+          <a:noFill/>
+          <a:ln>
+            <a:noFill/>
+          </a:ln>
+        </p:spPr>
+        <p:txBody>
+          <a:bodyPr anchorCtr="0" anchor="t" bIns="91425" lIns="91425" spcFirstLastPara="1" rIns="91425" wrap="square" tIns="91425">
+            <a:spAutoFit/>
+          </a:bodyPr>
+          <a:lstStyle/>
+          <a:p>
+            <a:pPr indent="0" lvl="0" marL="0" rtl="0" algn="l">
+              <a:spcBef>
+                <a:spcPts val="0"/>
+              </a:spcBef>
+              <a:spcAft>
+                <a:spcPts val="0"/>
+              </a:spcAft>
+              <a:buNone/>
+            </a:pPr>
+            <a:r>
+              <a:rPr lang="de">
+                <a:solidFill>
+                  <a:srgbClr val="FF0000"/>
+                </a:solidFill>
+              </a:rPr>
+              <a:t>1.</a:t>
+            </a:r>
+            <a:endParaRPr>
+              <a:solidFill>
+                <a:srgbClr val="FF0000"/>
+              </a:solidFill>
+            </a:endParaRPr>
+          </a:p>
+        </p:txBody>
+      </p:sp>
+      <p:sp>
+        <p:nvSpPr>
+          <p:cNvPr id="134" name="Google Shape;134;p21"/>
+          <p:cNvSpPr txBox="1"/>
+          <p:nvPr/>
+        </p:nvSpPr>
+        <p:spPr>
+          <a:xfrm>
+            <a:off x="4485925" y="2470075"/>
+            <a:ext cx="551100" cy="400200"/>
+          </a:xfrm>
+          <a:prstGeom prst="rect">
+            <a:avLst/>
+          </a:prstGeom>
+          <a:noFill/>
+          <a:ln>
+            <a:noFill/>
+          </a:ln>
+        </p:spPr>
+        <p:txBody>
+          <a:bodyPr anchorCtr="0" anchor="t" bIns="91425" lIns="91425" spcFirstLastPara="1" rIns="91425" wrap="square" tIns="91425">
+            <a:spAutoFit/>
+          </a:bodyPr>
+          <a:lstStyle/>
+          <a:p>
+            <a:pPr indent="0" lvl="0" marL="0" rtl="0" algn="l">
+              <a:spcBef>
+                <a:spcPts val="0"/>
+              </a:spcBef>
+              <a:spcAft>
+                <a:spcPts val="0"/>
+              </a:spcAft>
+              <a:buNone/>
+            </a:pPr>
+            <a:r>
+              <a:rPr lang="de">
+                <a:solidFill>
+                  <a:srgbClr val="FF0000"/>
+                </a:solidFill>
+              </a:rPr>
+              <a:t>2</a:t>
+            </a:r>
+            <a:r>
+              <a:rPr lang="de">
+                <a:solidFill>
+                  <a:srgbClr val="FF0000"/>
+                </a:solidFill>
+              </a:rPr>
+              <a:t>. a)</a:t>
+            </a:r>
+            <a:endParaRPr>
+              <a:solidFill>
+                <a:srgbClr val="FF0000"/>
+              </a:solidFill>
+            </a:endParaRPr>
+          </a:p>
+        </p:txBody>
+      </p:sp>
+      <p:sp>
+        <p:nvSpPr>
+          <p:cNvPr id="135" name="Google Shape;135;p21"/>
+          <p:cNvSpPr txBox="1"/>
+          <p:nvPr/>
+        </p:nvSpPr>
+        <p:spPr>
+          <a:xfrm>
+            <a:off x="3857125" y="3845325"/>
+            <a:ext cx="551100" cy="400200"/>
+          </a:xfrm>
+          <a:prstGeom prst="rect">
+            <a:avLst/>
+          </a:prstGeom>
+          <a:noFill/>
+          <a:ln>
+            <a:noFill/>
+          </a:ln>
+        </p:spPr>
+        <p:txBody>
+          <a:bodyPr anchorCtr="0" anchor="t" bIns="91425" lIns="91425" spcFirstLastPara="1" rIns="91425" wrap="square" tIns="91425">
+            <a:spAutoFit/>
+          </a:bodyPr>
+          <a:lstStyle/>
+          <a:p>
+            <a:pPr indent="0" lvl="0" marL="0" rtl="0" algn="l">
+              <a:spcBef>
+                <a:spcPts val="0"/>
+              </a:spcBef>
+              <a:spcAft>
+                <a:spcPts val="0"/>
+              </a:spcAft>
+              <a:buNone/>
+            </a:pPr>
+            <a:r>
+              <a:rPr lang="de">
+                <a:solidFill>
+                  <a:srgbClr val="FF0000"/>
+                </a:solidFill>
+              </a:rPr>
+              <a:t>2</a:t>
+            </a:r>
+            <a:r>
+              <a:rPr lang="de">
+                <a:solidFill>
+                  <a:srgbClr val="FF0000"/>
+                </a:solidFill>
+              </a:rPr>
+              <a:t>. b)</a:t>
+            </a:r>
+            <a:endParaRPr>
+              <a:solidFill>
+                <a:srgbClr val="FF0000"/>
+              </a:solidFill>
+            </a:endParaRPr>
+          </a:p>
+        </p:txBody>
+      </p:sp>
     </p:spTree>
   </p:cSld>
   <p:clrMapOvr>
@@ -12956,7 +13113,7 @@
   <p:cSld>
     <p:spTree>
       <p:nvGrpSpPr>
-        <p:cNvPr id="137" name="Shape 137"/>
+        <p:cNvPr id="139" name="Shape 139"/>
         <p:cNvGrpSpPr/>
         <p:nvPr/>
       </p:nvGrpSpPr>
@@ -12970,7 +13127,7 @@
       </p:grpSpPr>
       <p:sp>
         <p:nvSpPr>
-          <p:cNvPr id="138" name="Google Shape;138;p22"/>
+          <p:cNvPr id="140" name="Google Shape;140;p22"/>
           <p:cNvSpPr txBox="1"/>
           <p:nvPr>
             <p:ph type="title"/>
@@ -13010,7 +13167,7 @@
       </p:sp>
       <p:sp>
         <p:nvSpPr>
-          <p:cNvPr id="139" name="Google Shape;139;p22"/>
+          <p:cNvPr id="141" name="Google Shape;141;p22"/>
           <p:cNvSpPr/>
           <p:nvPr>
             <p:ph idx="2" type="chart"/>
@@ -13109,7 +13266,7 @@
       </p:sp>
       <p:pic>
         <p:nvPicPr>
-          <p:cNvPr id="140" name="Google Shape;140;p22"/>
+          <p:cNvPr id="142" name="Google Shape;142;p22"/>
           <p:cNvPicPr preferRelativeResize="0"/>
           <p:nvPr/>
         </p:nvPicPr>
@@ -13137,7 +13294,7 @@
       </p:pic>
       <p:pic>
         <p:nvPicPr>
-          <p:cNvPr id="141" name="Google Shape;141;p22"/>
+          <p:cNvPr id="143" name="Google Shape;143;p22"/>
           <p:cNvPicPr preferRelativeResize="0"/>
           <p:nvPr/>
         </p:nvPicPr>
@@ -13165,7 +13322,7 @@
       </p:pic>
       <p:pic>
         <p:nvPicPr>
-          <p:cNvPr id="142" name="Google Shape;142;p22"/>
+          <p:cNvPr id="144" name="Google Shape;144;p22"/>
           <p:cNvPicPr preferRelativeResize="0"/>
           <p:nvPr/>
         </p:nvPicPr>
@@ -13204,7 +13361,7 @@
   <p:cSld>
     <p:spTree>
       <p:nvGrpSpPr>
-        <p:cNvPr id="146" name="Shape 146"/>
+        <p:cNvPr id="148" name="Shape 148"/>
         <p:cNvGrpSpPr/>
         <p:nvPr/>
       </p:nvGrpSpPr>
@@ -13218,7 +13375,7 @@
       </p:grpSpPr>
       <p:sp>
         <p:nvSpPr>
-          <p:cNvPr id="147" name="Google Shape;147;p23"/>
+          <p:cNvPr id="149" name="Google Shape;149;p23"/>
           <p:cNvSpPr txBox="1"/>
           <p:nvPr>
             <p:ph type="title"/>
@@ -13258,7 +13415,7 @@
       </p:sp>
       <p:pic>
         <p:nvPicPr>
-          <p:cNvPr id="148" name="Google Shape;148;p23"/>
+          <p:cNvPr id="150" name="Google Shape;150;p23"/>
           <p:cNvPicPr preferRelativeResize="0"/>
           <p:nvPr/>
         </p:nvPicPr>
@@ -13286,7 +13443,7 @@
       </p:pic>
       <p:pic>
         <p:nvPicPr>
-          <p:cNvPr id="149" name="Google Shape;149;p23"/>
+          <p:cNvPr id="151" name="Google Shape;151;p23"/>
           <p:cNvPicPr preferRelativeResize="0"/>
           <p:nvPr/>
         </p:nvPicPr>
@@ -13325,7 +13482,7 @@
   <p:cSld>
     <p:spTree>
       <p:nvGrpSpPr>
-        <p:cNvPr id="153" name="Shape 153"/>
+        <p:cNvPr id="155" name="Shape 155"/>
         <p:cNvGrpSpPr/>
         <p:nvPr/>
       </p:nvGrpSpPr>
@@ -13339,7 +13496,7 @@
       </p:grpSpPr>
       <p:sp>
         <p:nvSpPr>
-          <p:cNvPr id="154" name="Google Shape;154;p24"/>
+          <p:cNvPr id="156" name="Google Shape;156;p24"/>
           <p:cNvSpPr txBox="1"/>
           <p:nvPr>
             <p:ph type="title"/>
@@ -13379,7 +13536,7 @@
       </p:sp>
       <p:sp>
         <p:nvSpPr>
-          <p:cNvPr id="155" name="Google Shape;155;p24"/>
+          <p:cNvPr id="157" name="Google Shape;157;p24"/>
           <p:cNvSpPr/>
           <p:nvPr>
             <p:ph idx="2" type="chart"/>
@@ -13586,7 +13743,7 @@
       </p:sp>
       <p:pic>
         <p:nvPicPr>
-          <p:cNvPr id="156" name="Google Shape;156;p24"/>
+          <p:cNvPr id="158" name="Google Shape;158;p24"/>
           <p:cNvPicPr preferRelativeResize="0"/>
           <p:nvPr/>
         </p:nvPicPr>
@@ -13614,7 +13771,7 @@
       </p:pic>
       <p:pic>
         <p:nvPicPr>
-          <p:cNvPr id="157" name="Google Shape;157;p24"/>
+          <p:cNvPr id="159" name="Google Shape;159;p24"/>
           <p:cNvPicPr preferRelativeResize="0"/>
           <p:nvPr/>
         </p:nvPicPr>
@@ -13649,6 +13806,285 @@
 </file>
 
 <file path=ppt/theme/theme1.xml><?xml version="1.0" encoding="utf-8"?>
+<a:theme xmlns:a="http://schemas.openxmlformats.org/drawingml/2006/main" xmlns:r="http://schemas.openxmlformats.org/officeDocument/2006/relationships" name="TUBraunschweig_PPT2007_Folienpool_pptx">
+  <a:themeElements>
+    <a:clrScheme name="TU Braunschweig">
+      <a:dk1>
+        <a:srgbClr val="000000"/>
+      </a:dk1>
+      <a:lt1>
+        <a:srgbClr val="FFFFFF"/>
+      </a:lt1>
+      <a:dk2>
+        <a:srgbClr val="000000"/>
+      </a:dk2>
+      <a:lt2>
+        <a:srgbClr val="DDDDDD"/>
+      </a:lt2>
+      <a:accent1>
+        <a:srgbClr val="BE1E3C"/>
+      </a:accent1>
+      <a:accent2>
+        <a:srgbClr val="4DA6CB"/>
+      </a:accent2>
+      <a:accent3>
+        <a:srgbClr val="ADBF4D"/>
+      </a:accent3>
+      <a:accent4>
+        <a:srgbClr val="FA6E00"/>
+      </a:accent4>
+      <a:accent5>
+        <a:srgbClr val="407E97"/>
+      </a:accent5>
+      <a:accent6>
+        <a:srgbClr val="984098"/>
+      </a:accent6>
+      <a:hlink>
+        <a:srgbClr val="BE1E3C"/>
+      </a:hlink>
+      <a:folHlink>
+        <a:srgbClr val="760054"/>
+      </a:folHlink>
+    </a:clrScheme>
+    <a:fontScheme name="Office">
+      <a:majorFont>
+        <a:latin typeface="Arial"/>
+        <a:ea typeface=""/>
+        <a:cs typeface=""/>
+        <a:font script="Jpan" typeface="ＭＳ Ｐゴシック"/>
+        <a:font script="Hang" typeface="맑은 고딕"/>
+        <a:font script="Hans" typeface="宋体"/>
+        <a:font script="Hant" typeface="新細明體"/>
+        <a:font script="Arab" typeface="Times New Roman"/>
+        <a:font script="Hebr" typeface="Times New Roman"/>
+        <a:font script="Thai" typeface="Angsana New"/>
+        <a:font script="Ethi" typeface="Nyala"/>
+        <a:font script="Beng" typeface="Vrinda"/>
+        <a:font script="Gujr" typeface="Shruti"/>
+        <a:font script="Khmr" typeface="MoolBoran"/>
+        <a:font script="Knda" typeface="Tunga"/>
+        <a:font script="Guru" typeface="Raavi"/>
+        <a:font script="Cans" typeface="Euphemia"/>
+        <a:font script="Cher" typeface="Plantagenet Cherokee"/>
+        <a:font script="Yiii" typeface="Microsoft Yi Baiti"/>
+        <a:font script="Tibt" typeface="Microsoft Himalaya"/>
+        <a:font script="Thaa" typeface="MV Boli"/>
+        <a:font script="Deva" typeface="Mangal"/>
+        <a:font script="Telu" typeface="Gautami"/>
+        <a:font script="Taml" typeface="Latha"/>
+        <a:font script="Syrc" typeface="Estrangelo Edessa"/>
+        <a:font script="Orya" typeface="Kalinga"/>
+        <a:font script="Mlym" typeface="Kartika"/>
+        <a:font script="Laoo" typeface="DokChampa"/>
+        <a:font script="Sinh" typeface="Iskoola Pota"/>
+        <a:font script="Mong" typeface="Mongolian Baiti"/>
+        <a:font script="Viet" typeface="Times New Roman"/>
+        <a:font script="Uigh" typeface="Microsoft Uighur"/>
+        <a:font script="Geor" typeface="Sylfaen"/>
+      </a:majorFont>
+      <a:minorFont>
+        <a:latin typeface="Arial"/>
+        <a:ea typeface=""/>
+        <a:cs typeface=""/>
+        <a:font script="Jpan" typeface="ＭＳ Ｐゴシック"/>
+        <a:font script="Hang" typeface="맑은 고딕"/>
+        <a:font script="Hans" typeface="宋体"/>
+        <a:font script="Hant" typeface="新細明體"/>
+        <a:font script="Arab" typeface="Arial"/>
+        <a:font script="Hebr" typeface="Arial"/>
+        <a:font script="Thai" typeface="Cordia New"/>
+        <a:font script="Ethi" typeface="Nyala"/>
+        <a:font script="Beng" typeface="Vrinda"/>
+        <a:font script="Gujr" typeface="Shruti"/>
+        <a:font script="Khmr" typeface="DaunPenh"/>
+        <a:font script="Knda" typeface="Tunga"/>
+        <a:font script="Guru" typeface="Raavi"/>
+        <a:font script="Cans" typeface="Euphemia"/>
+        <a:font script="Cher" typeface="Plantagenet Cherokee"/>
+        <a:font script="Yiii" typeface="Microsoft Yi Baiti"/>
+        <a:font script="Tibt" typeface="Microsoft Himalaya"/>
+        <a:font script="Thaa" typeface="MV Boli"/>
+        <a:font script="Deva" typeface="Mangal"/>
+        <a:font script="Telu" typeface="Gautami"/>
+        <a:font script="Taml" typeface="Latha"/>
+        <a:font script="Syrc" typeface="Estrangelo Edessa"/>
+        <a:font script="Orya" typeface="Kalinga"/>
+        <a:font script="Mlym" typeface="Kartika"/>
+        <a:font script="Laoo" typeface="DokChampa"/>
+        <a:font script="Sinh" typeface="Iskoola Pota"/>
+        <a:font script="Mong" typeface="Mongolian Baiti"/>
+        <a:font script="Viet" typeface="Arial"/>
+        <a:font script="Uigh" typeface="Microsoft Uighur"/>
+        <a:font script="Geor" typeface="Sylfaen"/>
+      </a:minorFont>
+    </a:fontScheme>
+    <a:fmtScheme name="Office">
+      <a:fillStyleLst>
+        <a:solidFill>
+          <a:schemeClr val="phClr"/>
+        </a:solidFill>
+        <a:gradFill rotWithShape="1">
+          <a:gsLst>
+            <a:gs pos="0">
+              <a:schemeClr val="phClr">
+                <a:tint val="50000"/>
+                <a:satMod val="300000"/>
+              </a:schemeClr>
+            </a:gs>
+            <a:gs pos="35000">
+              <a:schemeClr val="phClr">
+                <a:tint val="37000"/>
+                <a:satMod val="300000"/>
+              </a:schemeClr>
+            </a:gs>
+            <a:gs pos="100000">
+              <a:schemeClr val="phClr">
+                <a:tint val="15000"/>
+                <a:satMod val="350000"/>
+              </a:schemeClr>
+            </a:gs>
+          </a:gsLst>
+          <a:lin ang="16200000" scaled="1"/>
+        </a:gradFill>
+        <a:gradFill rotWithShape="1">
+          <a:gsLst>
+            <a:gs pos="0">
+              <a:schemeClr val="phClr">
+                <a:tint val="100000"/>
+                <a:shade val="100000"/>
+                <a:satMod val="130000"/>
+              </a:schemeClr>
+            </a:gs>
+            <a:gs pos="100000">
+              <a:schemeClr val="phClr">
+                <a:tint val="50000"/>
+                <a:shade val="100000"/>
+                <a:satMod val="350000"/>
+              </a:schemeClr>
+            </a:gs>
+          </a:gsLst>
+          <a:lin ang="16200000" scaled="0"/>
+        </a:gradFill>
+      </a:fillStyleLst>
+      <a:lnStyleLst>
+        <a:ln w="9525" cap="flat" cmpd="sng" algn="ctr">
+          <a:solidFill>
+            <a:schemeClr val="phClr">
+              <a:shade val="95000"/>
+              <a:satMod val="105000"/>
+            </a:schemeClr>
+          </a:solidFill>
+          <a:prstDash val="solid"/>
+        </a:ln>
+        <a:ln w="25400" cap="flat" cmpd="sng" algn="ctr">
+          <a:solidFill>
+            <a:schemeClr val="phClr"/>
+          </a:solidFill>
+          <a:prstDash val="solid"/>
+        </a:ln>
+        <a:ln w="38100" cap="flat" cmpd="sng" algn="ctr">
+          <a:solidFill>
+            <a:schemeClr val="phClr"/>
+          </a:solidFill>
+          <a:prstDash val="solid"/>
+        </a:ln>
+      </a:lnStyleLst>
+      <a:effectStyleLst>
+        <a:effectStyle>
+          <a:effectLst>
+            <a:outerShdw blurRad="40000" dist="20000" dir="5400000" rotWithShape="0">
+              <a:srgbClr val="000000">
+                <a:alpha val="38000"/>
+              </a:srgbClr>
+            </a:outerShdw>
+          </a:effectLst>
+        </a:effectStyle>
+        <a:effectStyle>
+          <a:effectLst>
+            <a:outerShdw blurRad="40000" dist="23000" dir="5400000" rotWithShape="0">
+              <a:srgbClr val="000000">
+                <a:alpha val="35000"/>
+              </a:srgbClr>
+            </a:outerShdw>
+          </a:effectLst>
+        </a:effectStyle>
+        <a:effectStyle>
+          <a:effectLst>
+            <a:outerShdw blurRad="40000" dist="23000" dir="5400000" rotWithShape="0">
+              <a:srgbClr val="000000">
+                <a:alpha val="35000"/>
+              </a:srgbClr>
+            </a:outerShdw>
+          </a:effectLst>
+          <a:scene3d>
+            <a:camera prst="orthographicFront">
+              <a:rot lat="0" lon="0" rev="0"/>
+            </a:camera>
+            <a:lightRig rig="threePt" dir="t">
+              <a:rot lat="0" lon="0" rev="1200000"/>
+            </a:lightRig>
+          </a:scene3d>
+          <a:sp3d>
+            <a:bevelT w="63500" h="25400"/>
+          </a:sp3d>
+        </a:effectStyle>
+      </a:effectStyleLst>
+      <a:bgFillStyleLst>
+        <a:solidFill>
+          <a:schemeClr val="phClr"/>
+        </a:solidFill>
+        <a:gradFill rotWithShape="1">
+          <a:gsLst>
+            <a:gs pos="0">
+              <a:schemeClr val="phClr">
+                <a:tint val="40000"/>
+                <a:satMod val="350000"/>
+              </a:schemeClr>
+            </a:gs>
+            <a:gs pos="40000">
+              <a:schemeClr val="phClr">
+                <a:tint val="45000"/>
+                <a:shade val="99000"/>
+                <a:satMod val="350000"/>
+              </a:schemeClr>
+            </a:gs>
+            <a:gs pos="100000">
+              <a:schemeClr val="phClr">
+                <a:shade val="20000"/>
+                <a:satMod val="255000"/>
+              </a:schemeClr>
+            </a:gs>
+          </a:gsLst>
+          <a:path path="circle">
+            <a:fillToRect l="50000" t="-80000" r="50000" b="180000"/>
+          </a:path>
+        </a:gradFill>
+        <a:gradFill rotWithShape="1">
+          <a:gsLst>
+            <a:gs pos="0">
+              <a:schemeClr val="phClr">
+                <a:tint val="80000"/>
+                <a:satMod val="300000"/>
+              </a:schemeClr>
+            </a:gs>
+            <a:gs pos="100000">
+              <a:schemeClr val="phClr">
+                <a:shade val="30000"/>
+                <a:satMod val="200000"/>
+              </a:schemeClr>
+            </a:gs>
+          </a:gsLst>
+          <a:path path="circle">
+            <a:fillToRect l="50000" t="50000" r="50000" b="50000"/>
+          </a:path>
+        </a:gradFill>
+      </a:bgFillStyleLst>
+    </a:fmtScheme>
+  </a:themeElements>
+</a:theme>
+</file>
+
+<file path=ppt/theme/theme2.xml><?xml version="1.0" encoding="utf-8"?>
 <a:theme xmlns:a="http://schemas.openxmlformats.org/drawingml/2006/main" xmlns:r="http://schemas.openxmlformats.org/officeDocument/2006/relationships">
   <a:themeElements>
     <a:clrScheme name="Default">
@@ -13925,283 +14361,4 @@
     </a:fmtScheme>
   </a:themeElements>
 </a:theme>
-</file>
-
-<file path=ppt/theme/theme2.xml><?xml version="1.0" encoding="utf-8"?>
-<a:theme xmlns:a="http://schemas.openxmlformats.org/drawingml/2006/main" xmlns:r="http://schemas.openxmlformats.org/officeDocument/2006/relationships" name="TUBraunschweig_PPT2007_Folienpool_pptx">
-  <a:themeElements>
-    <a:clrScheme name="TU Braunschweig">
-      <a:dk1>
-        <a:srgbClr val="000000"/>
-      </a:dk1>
-      <a:lt1>
-        <a:srgbClr val="FFFFFF"/>
-      </a:lt1>
-      <a:dk2>
-        <a:srgbClr val="000000"/>
-      </a:dk2>
-      <a:lt2>
-        <a:srgbClr val="DDDDDD"/>
-      </a:lt2>
-      <a:accent1>
-        <a:srgbClr val="BE1E3C"/>
-      </a:accent1>
-      <a:accent2>
-        <a:srgbClr val="4DA6CB"/>
-      </a:accent2>
-      <a:accent3>
-        <a:srgbClr val="ADBF4D"/>
-      </a:accent3>
-      <a:accent4>
-        <a:srgbClr val="FA6E00"/>
-      </a:accent4>
-      <a:accent5>
-        <a:srgbClr val="407E97"/>
-      </a:accent5>
-      <a:accent6>
-        <a:srgbClr val="984098"/>
-      </a:accent6>
-      <a:hlink>
-        <a:srgbClr val="BE1E3C"/>
-      </a:hlink>
-      <a:folHlink>
-        <a:srgbClr val="760054"/>
-      </a:folHlink>
-    </a:clrScheme>
-    <a:fontScheme name="Office">
-      <a:majorFont>
-        <a:latin typeface="Arial"/>
-        <a:ea typeface=""/>
-        <a:cs typeface=""/>
-        <a:font script="Jpan" typeface="ＭＳ Ｐゴシック"/>
-        <a:font script="Hang" typeface="맑은 고딕"/>
-        <a:font script="Hans" typeface="宋体"/>
-        <a:font script="Hant" typeface="新細明體"/>
-        <a:font script="Arab" typeface="Times New Roman"/>
-        <a:font script="Hebr" typeface="Times New Roman"/>
-        <a:font script="Thai" typeface="Angsana New"/>
-        <a:font script="Ethi" typeface="Nyala"/>
-        <a:font script="Beng" typeface="Vrinda"/>
-        <a:font script="Gujr" typeface="Shruti"/>
-        <a:font script="Khmr" typeface="MoolBoran"/>
-        <a:font script="Knda" typeface="Tunga"/>
-        <a:font script="Guru" typeface="Raavi"/>
-        <a:font script="Cans" typeface="Euphemia"/>
-        <a:font script="Cher" typeface="Plantagenet Cherokee"/>
-        <a:font script="Yiii" typeface="Microsoft Yi Baiti"/>
-        <a:font script="Tibt" typeface="Microsoft Himalaya"/>
-        <a:font script="Thaa" typeface="MV Boli"/>
-        <a:font script="Deva" typeface="Mangal"/>
-        <a:font script="Telu" typeface="Gautami"/>
-        <a:font script="Taml" typeface="Latha"/>
-        <a:font script="Syrc" typeface="Estrangelo Edessa"/>
-        <a:font script="Orya" typeface="Kalinga"/>
-        <a:font script="Mlym" typeface="Kartika"/>
-        <a:font script="Laoo" typeface="DokChampa"/>
-        <a:font script="Sinh" typeface="Iskoola Pota"/>
-        <a:font script="Mong" typeface="Mongolian Baiti"/>
-        <a:font script="Viet" typeface="Times New Roman"/>
-        <a:font script="Uigh" typeface="Microsoft Uighur"/>
-        <a:font script="Geor" typeface="Sylfaen"/>
-      </a:majorFont>
-      <a:minorFont>
-        <a:latin typeface="Arial"/>
-        <a:ea typeface=""/>
-        <a:cs typeface=""/>
-        <a:font script="Jpan" typeface="ＭＳ Ｐゴシック"/>
-        <a:font script="Hang" typeface="맑은 고딕"/>
-        <a:font script="Hans" typeface="宋体"/>
-        <a:font script="Hant" typeface="新細明體"/>
-        <a:font script="Arab" typeface="Arial"/>
-        <a:font script="Hebr" typeface="Arial"/>
-        <a:font script="Thai" typeface="Cordia New"/>
-        <a:font script="Ethi" typeface="Nyala"/>
-        <a:font script="Beng" typeface="Vrinda"/>
-        <a:font script="Gujr" typeface="Shruti"/>
-        <a:font script="Khmr" typeface="DaunPenh"/>
-        <a:font script="Knda" typeface="Tunga"/>
-        <a:font script="Guru" typeface="Raavi"/>
-        <a:font script="Cans" typeface="Euphemia"/>
-        <a:font script="Cher" typeface="Plantagenet Cherokee"/>
-        <a:font script="Yiii" typeface="Microsoft Yi Baiti"/>
-        <a:font script="Tibt" typeface="Microsoft Himalaya"/>
-        <a:font script="Thaa" typeface="MV Boli"/>
-        <a:font script="Deva" typeface="Mangal"/>
-        <a:font script="Telu" typeface="Gautami"/>
-        <a:font script="Taml" typeface="Latha"/>
-        <a:font script="Syrc" typeface="Estrangelo Edessa"/>
-        <a:font script="Orya" typeface="Kalinga"/>
-        <a:font script="Mlym" typeface="Kartika"/>
-        <a:font script="Laoo" typeface="DokChampa"/>
-        <a:font script="Sinh" typeface="Iskoola Pota"/>
-        <a:font script="Mong" typeface="Mongolian Baiti"/>
-        <a:font script="Viet" typeface="Arial"/>
-        <a:font script="Uigh" typeface="Microsoft Uighur"/>
-        <a:font script="Geor" typeface="Sylfaen"/>
-      </a:minorFont>
-    </a:fontScheme>
-    <a:fmtScheme name="Office">
-      <a:fillStyleLst>
-        <a:solidFill>
-          <a:schemeClr val="phClr"/>
-        </a:solidFill>
-        <a:gradFill rotWithShape="1">
-          <a:gsLst>
-            <a:gs pos="0">
-              <a:schemeClr val="phClr">
-                <a:tint val="50000"/>
-                <a:satMod val="300000"/>
-              </a:schemeClr>
-            </a:gs>
-            <a:gs pos="35000">
-              <a:schemeClr val="phClr">
-                <a:tint val="37000"/>
-                <a:satMod val="300000"/>
-              </a:schemeClr>
-            </a:gs>
-            <a:gs pos="100000">
-              <a:schemeClr val="phClr">
-                <a:tint val="15000"/>
-                <a:satMod val="350000"/>
-              </a:schemeClr>
-            </a:gs>
-          </a:gsLst>
-          <a:lin ang="16200000" scaled="1"/>
-        </a:gradFill>
-        <a:gradFill rotWithShape="1">
-          <a:gsLst>
-            <a:gs pos="0">
-              <a:schemeClr val="phClr">
-                <a:tint val="100000"/>
-                <a:shade val="100000"/>
-                <a:satMod val="130000"/>
-              </a:schemeClr>
-            </a:gs>
-            <a:gs pos="100000">
-              <a:schemeClr val="phClr">
-                <a:tint val="50000"/>
-                <a:shade val="100000"/>
-                <a:satMod val="350000"/>
-              </a:schemeClr>
-            </a:gs>
-          </a:gsLst>
-          <a:lin ang="16200000" scaled="0"/>
-        </a:gradFill>
-      </a:fillStyleLst>
-      <a:lnStyleLst>
-        <a:ln w="9525" cap="flat" cmpd="sng" algn="ctr">
-          <a:solidFill>
-            <a:schemeClr val="phClr">
-              <a:shade val="95000"/>
-              <a:satMod val="105000"/>
-            </a:schemeClr>
-          </a:solidFill>
-          <a:prstDash val="solid"/>
-        </a:ln>
-        <a:ln w="25400" cap="flat" cmpd="sng" algn="ctr">
-          <a:solidFill>
-            <a:schemeClr val="phClr"/>
-          </a:solidFill>
-          <a:prstDash val="solid"/>
-        </a:ln>
-        <a:ln w="38100" cap="flat" cmpd="sng" algn="ctr">
-          <a:solidFill>
-            <a:schemeClr val="phClr"/>
-          </a:solidFill>
-          <a:prstDash val="solid"/>
-        </a:ln>
-      </a:lnStyleLst>
-      <a:effectStyleLst>
-        <a:effectStyle>
-          <a:effectLst>
-            <a:outerShdw blurRad="40000" dist="20000" dir="5400000" rotWithShape="0">
-              <a:srgbClr val="000000">
-                <a:alpha val="38000"/>
-              </a:srgbClr>
-            </a:outerShdw>
-          </a:effectLst>
-        </a:effectStyle>
-        <a:effectStyle>
-          <a:effectLst>
-            <a:outerShdw blurRad="40000" dist="23000" dir="5400000" rotWithShape="0">
-              <a:srgbClr val="000000">
-                <a:alpha val="35000"/>
-              </a:srgbClr>
-            </a:outerShdw>
-          </a:effectLst>
-        </a:effectStyle>
-        <a:effectStyle>
-          <a:effectLst>
-            <a:outerShdw blurRad="40000" dist="23000" dir="5400000" rotWithShape="0">
-              <a:srgbClr val="000000">
-                <a:alpha val="35000"/>
-              </a:srgbClr>
-            </a:outerShdw>
-          </a:effectLst>
-          <a:scene3d>
-            <a:camera prst="orthographicFront">
-              <a:rot lat="0" lon="0" rev="0"/>
-            </a:camera>
-            <a:lightRig rig="threePt" dir="t">
-              <a:rot lat="0" lon="0" rev="1200000"/>
-            </a:lightRig>
-          </a:scene3d>
-          <a:sp3d>
-            <a:bevelT w="63500" h="25400"/>
-          </a:sp3d>
-        </a:effectStyle>
-      </a:effectStyleLst>
-      <a:bgFillStyleLst>
-        <a:solidFill>
-          <a:schemeClr val="phClr"/>
-        </a:solidFill>
-        <a:gradFill rotWithShape="1">
-          <a:gsLst>
-            <a:gs pos="0">
-              <a:schemeClr val="phClr">
-                <a:tint val="40000"/>
-                <a:satMod val="350000"/>
-              </a:schemeClr>
-            </a:gs>
-            <a:gs pos="40000">
-              <a:schemeClr val="phClr">
-                <a:tint val="45000"/>
-                <a:shade val="99000"/>
-                <a:satMod val="350000"/>
-              </a:schemeClr>
-            </a:gs>
-            <a:gs pos="100000">
-              <a:schemeClr val="phClr">
-                <a:shade val="20000"/>
-                <a:satMod val="255000"/>
-              </a:schemeClr>
-            </a:gs>
-          </a:gsLst>
-          <a:path path="circle">
-            <a:fillToRect l="50000" t="-80000" r="50000" b="180000"/>
-          </a:path>
-        </a:gradFill>
-        <a:gradFill rotWithShape="1">
-          <a:gsLst>
-            <a:gs pos="0">
-              <a:schemeClr val="phClr">
-                <a:tint val="80000"/>
-                <a:satMod val="300000"/>
-              </a:schemeClr>
-            </a:gs>
-            <a:gs pos="100000">
-              <a:schemeClr val="phClr">
-                <a:shade val="30000"/>
-                <a:satMod val="200000"/>
-              </a:schemeClr>
-            </a:gs>
-          </a:gsLst>
-          <a:path path="circle">
-            <a:fillToRect l="50000" t="50000" r="50000" b="50000"/>
-          </a:path>
-        </a:gradFill>
-      </a:bgFillStyleLst>
-    </a:fmtScheme>
-  </a:themeElements>
-</a:theme>
 </file>
--- a/slides/03_functions_classes_packages.pptx
+++ b/slides/03_functions_classes_packages.pptx
@@ -9952,7 +9952,7 @@
             <a:tbl>
               <a:tblPr>
                 <a:noFill/>
-                <a:tableStyleId>{3686D524-7A75-433B-BB21-1A7C092E9742}</a:tableStyleId>
+                <a:tableStyleId>{C4098F5B-9BCD-4C38-9C7A-057BD84FF5AC}</a:tableStyleId>
               </a:tblPr>
               <a:tblGrid>
                 <a:gridCol w="1447800"/>
@@ -10958,41 +10958,6 @@
               <a:rPr lang="de" sz="3600"/>
               <a:t>Fragen</a:t>
             </a:r>
-            <a:endParaRPr sz="3600"/>
-          </a:p>
-          <a:p>
-            <a:pPr indent="0" lvl="0" marL="0" rtl="0" algn="l">
-              <a:spcBef>
-                <a:spcPts val="320"/>
-              </a:spcBef>
-              <a:spcAft>
-                <a:spcPts val="0"/>
-              </a:spcAft>
-              <a:buClr>
-                <a:schemeClr val="dk1"/>
-              </a:buClr>
-              <a:buSzPts val="1100"/>
-              <a:buFont typeface="Arial"/>
-              <a:buNone/>
-            </a:pPr>
-            <a:r>
-              <a:t/>
-            </a:r>
-            <a:endParaRPr/>
-          </a:p>
-          <a:p>
-            <a:pPr indent="0" lvl="0" marL="0" rtl="0" algn="l">
-              <a:spcBef>
-                <a:spcPts val="320"/>
-              </a:spcBef>
-              <a:spcAft>
-                <a:spcPts val="0"/>
-              </a:spcAft>
-              <a:buNone/>
-            </a:pPr>
-            <a:r>
-              <a:t/>
-            </a:r>
             <a:endParaRPr/>
           </a:p>
         </p:txBody>

--- a/slides/03_functions_classes_packages.pptx
+++ b/slides/03_functions_classes_packages.pptx
@@ -9952,7 +9952,7 @@
             <a:tbl>
               <a:tblPr>
                 <a:noFill/>
-                <a:tableStyleId>{C4098F5B-9BCD-4C38-9C7A-057BD84FF5AC}</a:tableStyleId>
+                <a:tableStyleId>{1D14DF9D-7694-4EB0-8F59-6EC75998DCD3}</a:tableStyleId>
               </a:tblPr>
               <a:tblGrid>
                 <a:gridCol w="1447800"/>
